--- a/ppt 16-9/1340.除你以外.pptx
+++ b/ppt 16-9/1340.除你以外.pptx
@@ -5,7 +5,7 @@
     <p:sldMasterId id="2147483648" r:id="rId1"/>
   </p:sldMasterIdLst>
   <p:sldIdLst>
-    <p:sldId id="898" r:id="rId2"/>
+    <p:sldId id="899" r:id="rId2"/>
   </p:sldIdLst>
   <p:sldSz cx="12192000" cy="6858000"/>
   <p:notesSz cx="6858000" cy="9144000"/>
@@ -129,7 +129,7 @@
           <p:cNvPr id="2" name="标题 1">
             <a:extLst>
               <a:ext uri="{FF2B5EF4-FFF2-40B4-BE49-F238E27FC236}">
-                <a16:creationId xmlns:a16="http://schemas.microsoft.com/office/drawing/2014/main" id="{5B7CDBAB-35A9-CD26-B719-B3805521147B}"/>
+                <a16:creationId xmlns:a16="http://schemas.microsoft.com/office/drawing/2014/main" id="{87E2570F-6FB4-EECB-A2B5-A26113D81B21}"/>
               </a:ext>
             </a:extLst>
           </p:cNvPr>
@@ -166,7 +166,7 @@
           <p:cNvPr id="3" name="副标题 2">
             <a:extLst>
               <a:ext uri="{FF2B5EF4-FFF2-40B4-BE49-F238E27FC236}">
-                <a16:creationId xmlns:a16="http://schemas.microsoft.com/office/drawing/2014/main" id="{1B55D2C9-A809-26FD-FB34-51225FE40520}"/>
+                <a16:creationId xmlns:a16="http://schemas.microsoft.com/office/drawing/2014/main" id="{75CFE202-F256-9F3D-80A3-C58AF106187E}"/>
               </a:ext>
             </a:extLst>
           </p:cNvPr>
@@ -236,7 +236,7 @@
           <p:cNvPr id="4" name="日期占位符 3">
             <a:extLst>
               <a:ext uri="{FF2B5EF4-FFF2-40B4-BE49-F238E27FC236}">
-                <a16:creationId xmlns:a16="http://schemas.microsoft.com/office/drawing/2014/main" id="{6AA7E4F1-7E78-9EFC-C8C8-EB4C8D450037}"/>
+                <a16:creationId xmlns:a16="http://schemas.microsoft.com/office/drawing/2014/main" id="{DFB5D3C6-D587-F987-B49C-551FDF9BD6CF}"/>
               </a:ext>
             </a:extLst>
           </p:cNvPr>
@@ -252,7 +252,7 @@
           <a:bodyPr/>
           <a:lstStyle/>
           <a:p>
-            <a:fld id="{F1017648-8606-4F34-A1E3-C60AA3E7C8D2}" type="datetimeFigureOut">
+            <a:fld id="{CFED7253-59A6-4F6A-B281-5AAD05E05FDB}" type="datetimeFigureOut">
               <a:rPr lang="zh-CN" altLang="en-US" smtClean="0"/>
               <a:t>2024/3/10</a:t>
             </a:fld>
@@ -265,7 +265,7 @@
           <p:cNvPr id="5" name="页脚占位符 4">
             <a:extLst>
               <a:ext uri="{FF2B5EF4-FFF2-40B4-BE49-F238E27FC236}">
-                <a16:creationId xmlns:a16="http://schemas.microsoft.com/office/drawing/2014/main" id="{157AB9FC-841D-232F-F1F0-9DAE9EEDEC96}"/>
+                <a16:creationId xmlns:a16="http://schemas.microsoft.com/office/drawing/2014/main" id="{1C22349B-983E-C564-FEB3-1593E6B38018}"/>
               </a:ext>
             </a:extLst>
           </p:cNvPr>
@@ -290,7 +290,7 @@
           <p:cNvPr id="6" name="灯片编号占位符 5">
             <a:extLst>
               <a:ext uri="{FF2B5EF4-FFF2-40B4-BE49-F238E27FC236}">
-                <a16:creationId xmlns:a16="http://schemas.microsoft.com/office/drawing/2014/main" id="{FCAB67C0-B256-82CE-2BC8-CFEEF4968735}"/>
+                <a16:creationId xmlns:a16="http://schemas.microsoft.com/office/drawing/2014/main" id="{04E7DBE6-483E-566C-9843-DF003B4C2D23}"/>
               </a:ext>
             </a:extLst>
           </p:cNvPr>
@@ -306,7 +306,7 @@
           <a:bodyPr/>
           <a:lstStyle/>
           <a:p>
-            <a:fld id="{28DABECB-265F-4B49-A5E8-C99842B98D7A}" type="slidenum">
+            <a:fld id="{5D8C250E-24FF-4183-A18B-B557431738A1}" type="slidenum">
               <a:rPr lang="zh-CN" altLang="en-US" smtClean="0"/>
               <a:t>‹#›</a:t>
             </a:fld>
@@ -317,7 +317,7 @@
     </p:spTree>
     <p:extLst>
       <p:ext uri="{BB962C8B-B14F-4D97-AF65-F5344CB8AC3E}">
-        <p14:creationId xmlns:p14="http://schemas.microsoft.com/office/powerpoint/2010/main" val="2366947733"/>
+        <p14:creationId xmlns:p14="http://schemas.microsoft.com/office/powerpoint/2010/main" val="3171543183"/>
       </p:ext>
     </p:extLst>
   </p:cSld>
@@ -349,7 +349,7 @@
           <p:cNvPr id="2" name="标题 1">
             <a:extLst>
               <a:ext uri="{FF2B5EF4-FFF2-40B4-BE49-F238E27FC236}">
-                <a16:creationId xmlns:a16="http://schemas.microsoft.com/office/drawing/2014/main" id="{5BA8557E-1045-43B9-9897-BDBB7FE069C7}"/>
+                <a16:creationId xmlns:a16="http://schemas.microsoft.com/office/drawing/2014/main" id="{F0E3D692-F9ED-532C-EC5B-F1D62D82B9C3}"/>
               </a:ext>
             </a:extLst>
           </p:cNvPr>
@@ -377,7 +377,7 @@
           <p:cNvPr id="3" name="竖排文字占位符 2">
             <a:extLst>
               <a:ext uri="{FF2B5EF4-FFF2-40B4-BE49-F238E27FC236}">
-                <a16:creationId xmlns:a16="http://schemas.microsoft.com/office/drawing/2014/main" id="{2A4E2D65-6DBA-D82F-FBB5-99CF9401212F}"/>
+                <a16:creationId xmlns:a16="http://schemas.microsoft.com/office/drawing/2014/main" id="{9087A866-C401-88CF-A867-39796D82CAA6}"/>
               </a:ext>
             </a:extLst>
           </p:cNvPr>
@@ -434,7 +434,7 @@
           <p:cNvPr id="4" name="日期占位符 3">
             <a:extLst>
               <a:ext uri="{FF2B5EF4-FFF2-40B4-BE49-F238E27FC236}">
-                <a16:creationId xmlns:a16="http://schemas.microsoft.com/office/drawing/2014/main" id="{C0924281-A936-C4B1-F443-66BA07FABED2}"/>
+                <a16:creationId xmlns:a16="http://schemas.microsoft.com/office/drawing/2014/main" id="{BD7752FC-D60A-AF17-BC7C-E049652A6486}"/>
               </a:ext>
             </a:extLst>
           </p:cNvPr>
@@ -450,7 +450,7 @@
           <a:bodyPr/>
           <a:lstStyle/>
           <a:p>
-            <a:fld id="{F1017648-8606-4F34-A1E3-C60AA3E7C8D2}" type="datetimeFigureOut">
+            <a:fld id="{CFED7253-59A6-4F6A-B281-5AAD05E05FDB}" type="datetimeFigureOut">
               <a:rPr lang="zh-CN" altLang="en-US" smtClean="0"/>
               <a:t>2024/3/10</a:t>
             </a:fld>
@@ -463,7 +463,7 @@
           <p:cNvPr id="5" name="页脚占位符 4">
             <a:extLst>
               <a:ext uri="{FF2B5EF4-FFF2-40B4-BE49-F238E27FC236}">
-                <a16:creationId xmlns:a16="http://schemas.microsoft.com/office/drawing/2014/main" id="{050EFA10-06DB-D2E3-485B-D798B05A92FD}"/>
+                <a16:creationId xmlns:a16="http://schemas.microsoft.com/office/drawing/2014/main" id="{ADBCF63C-14D1-E465-15D7-D3984C6A3DF1}"/>
               </a:ext>
             </a:extLst>
           </p:cNvPr>
@@ -488,7 +488,7 @@
           <p:cNvPr id="6" name="灯片编号占位符 5">
             <a:extLst>
               <a:ext uri="{FF2B5EF4-FFF2-40B4-BE49-F238E27FC236}">
-                <a16:creationId xmlns:a16="http://schemas.microsoft.com/office/drawing/2014/main" id="{DD771BC3-7AA6-ABC2-41AF-BA450DC0D2E5}"/>
+                <a16:creationId xmlns:a16="http://schemas.microsoft.com/office/drawing/2014/main" id="{E52ABB2E-9A5F-4A4E-81E9-1C90A188EC28}"/>
               </a:ext>
             </a:extLst>
           </p:cNvPr>
@@ -504,7 +504,7 @@
           <a:bodyPr/>
           <a:lstStyle/>
           <a:p>
-            <a:fld id="{28DABECB-265F-4B49-A5E8-C99842B98D7A}" type="slidenum">
+            <a:fld id="{5D8C250E-24FF-4183-A18B-B557431738A1}" type="slidenum">
               <a:rPr lang="zh-CN" altLang="en-US" smtClean="0"/>
               <a:t>‹#›</a:t>
             </a:fld>
@@ -515,7 +515,7 @@
     </p:spTree>
     <p:extLst>
       <p:ext uri="{BB962C8B-B14F-4D97-AF65-F5344CB8AC3E}">
-        <p14:creationId xmlns:p14="http://schemas.microsoft.com/office/powerpoint/2010/main" val="548484894"/>
+        <p14:creationId xmlns:p14="http://schemas.microsoft.com/office/powerpoint/2010/main" val="1555966911"/>
       </p:ext>
     </p:extLst>
   </p:cSld>
@@ -547,7 +547,7 @@
           <p:cNvPr id="2" name="竖排标题 1">
             <a:extLst>
               <a:ext uri="{FF2B5EF4-FFF2-40B4-BE49-F238E27FC236}">
-                <a16:creationId xmlns:a16="http://schemas.microsoft.com/office/drawing/2014/main" id="{42FD4D74-238E-9826-748B-1626712E0702}"/>
+                <a16:creationId xmlns:a16="http://schemas.microsoft.com/office/drawing/2014/main" id="{370D485E-F027-9B56-28EB-82385EAF8523}"/>
               </a:ext>
             </a:extLst>
           </p:cNvPr>
@@ -580,7 +580,7 @@
           <p:cNvPr id="3" name="竖排文字占位符 2">
             <a:extLst>
               <a:ext uri="{FF2B5EF4-FFF2-40B4-BE49-F238E27FC236}">
-                <a16:creationId xmlns:a16="http://schemas.microsoft.com/office/drawing/2014/main" id="{52058072-25B4-DB31-5924-AFFB114FFFFF}"/>
+                <a16:creationId xmlns:a16="http://schemas.microsoft.com/office/drawing/2014/main" id="{E64CDB31-6B76-5913-EC81-8AB27C094B0F}"/>
               </a:ext>
             </a:extLst>
           </p:cNvPr>
@@ -642,7 +642,7 @@
           <p:cNvPr id="4" name="日期占位符 3">
             <a:extLst>
               <a:ext uri="{FF2B5EF4-FFF2-40B4-BE49-F238E27FC236}">
-                <a16:creationId xmlns:a16="http://schemas.microsoft.com/office/drawing/2014/main" id="{2DD149A2-C61E-3DB5-2EB7-AF53D8AC5A22}"/>
+                <a16:creationId xmlns:a16="http://schemas.microsoft.com/office/drawing/2014/main" id="{95FD4A16-F808-B3E8-B5B4-8C4377E9DEAB}"/>
               </a:ext>
             </a:extLst>
           </p:cNvPr>
@@ -658,7 +658,7 @@
           <a:bodyPr/>
           <a:lstStyle/>
           <a:p>
-            <a:fld id="{F1017648-8606-4F34-A1E3-C60AA3E7C8D2}" type="datetimeFigureOut">
+            <a:fld id="{CFED7253-59A6-4F6A-B281-5AAD05E05FDB}" type="datetimeFigureOut">
               <a:rPr lang="zh-CN" altLang="en-US" smtClean="0"/>
               <a:t>2024/3/10</a:t>
             </a:fld>
@@ -671,7 +671,7 @@
           <p:cNvPr id="5" name="页脚占位符 4">
             <a:extLst>
               <a:ext uri="{FF2B5EF4-FFF2-40B4-BE49-F238E27FC236}">
-                <a16:creationId xmlns:a16="http://schemas.microsoft.com/office/drawing/2014/main" id="{1CABB891-F72F-3E6B-1FFC-BCF5E45CE9C6}"/>
+                <a16:creationId xmlns:a16="http://schemas.microsoft.com/office/drawing/2014/main" id="{16C84804-AD83-CE31-B0D9-DC19624E34F6}"/>
               </a:ext>
             </a:extLst>
           </p:cNvPr>
@@ -696,7 +696,7 @@
           <p:cNvPr id="6" name="灯片编号占位符 5">
             <a:extLst>
               <a:ext uri="{FF2B5EF4-FFF2-40B4-BE49-F238E27FC236}">
-                <a16:creationId xmlns:a16="http://schemas.microsoft.com/office/drawing/2014/main" id="{C343D01E-836B-F647-1FFF-91FB584714BA}"/>
+                <a16:creationId xmlns:a16="http://schemas.microsoft.com/office/drawing/2014/main" id="{44C9C1E5-D8FD-E6C6-75E9-8910D7559F95}"/>
               </a:ext>
             </a:extLst>
           </p:cNvPr>
@@ -712,7 +712,7 @@
           <a:bodyPr/>
           <a:lstStyle/>
           <a:p>
-            <a:fld id="{28DABECB-265F-4B49-A5E8-C99842B98D7A}" type="slidenum">
+            <a:fld id="{5D8C250E-24FF-4183-A18B-B557431738A1}" type="slidenum">
               <a:rPr lang="zh-CN" altLang="en-US" smtClean="0"/>
               <a:t>‹#›</a:t>
             </a:fld>
@@ -723,7 +723,7 @@
     </p:spTree>
     <p:extLst>
       <p:ext uri="{BB962C8B-B14F-4D97-AF65-F5344CB8AC3E}">
-        <p14:creationId xmlns:p14="http://schemas.microsoft.com/office/powerpoint/2010/main" val="3392271740"/>
+        <p14:creationId xmlns:p14="http://schemas.microsoft.com/office/powerpoint/2010/main" val="662076584"/>
       </p:ext>
     </p:extLst>
   </p:cSld>
@@ -755,7 +755,7 @@
           <p:cNvPr id="2" name="标题 1">
             <a:extLst>
               <a:ext uri="{FF2B5EF4-FFF2-40B4-BE49-F238E27FC236}">
-                <a16:creationId xmlns:a16="http://schemas.microsoft.com/office/drawing/2014/main" id="{2C65B059-8F9E-1EDF-E3CB-80602948F043}"/>
+                <a16:creationId xmlns:a16="http://schemas.microsoft.com/office/drawing/2014/main" id="{391CC8F6-E7BD-8AAB-A923-254FF63C33D0}"/>
               </a:ext>
             </a:extLst>
           </p:cNvPr>
@@ -783,7 +783,7 @@
           <p:cNvPr id="3" name="内容占位符 2">
             <a:extLst>
               <a:ext uri="{FF2B5EF4-FFF2-40B4-BE49-F238E27FC236}">
-                <a16:creationId xmlns:a16="http://schemas.microsoft.com/office/drawing/2014/main" id="{59705CEF-C2E5-3C75-0112-535961940DB2}"/>
+                <a16:creationId xmlns:a16="http://schemas.microsoft.com/office/drawing/2014/main" id="{BAE6DD63-28E1-35EE-0D5E-B84734A0C687}"/>
               </a:ext>
             </a:extLst>
           </p:cNvPr>
@@ -840,7 +840,7 @@
           <p:cNvPr id="4" name="日期占位符 3">
             <a:extLst>
               <a:ext uri="{FF2B5EF4-FFF2-40B4-BE49-F238E27FC236}">
-                <a16:creationId xmlns:a16="http://schemas.microsoft.com/office/drawing/2014/main" id="{87ABBEEC-C08D-A279-79A2-B96591218A1D}"/>
+                <a16:creationId xmlns:a16="http://schemas.microsoft.com/office/drawing/2014/main" id="{357394B5-7D07-F0B9-D3B0-A5DD12318F07}"/>
               </a:ext>
             </a:extLst>
           </p:cNvPr>
@@ -856,7 +856,7 @@
           <a:bodyPr/>
           <a:lstStyle/>
           <a:p>
-            <a:fld id="{F1017648-8606-4F34-A1E3-C60AA3E7C8D2}" type="datetimeFigureOut">
+            <a:fld id="{CFED7253-59A6-4F6A-B281-5AAD05E05FDB}" type="datetimeFigureOut">
               <a:rPr lang="zh-CN" altLang="en-US" smtClean="0"/>
               <a:t>2024/3/10</a:t>
             </a:fld>
@@ -869,7 +869,7 @@
           <p:cNvPr id="5" name="页脚占位符 4">
             <a:extLst>
               <a:ext uri="{FF2B5EF4-FFF2-40B4-BE49-F238E27FC236}">
-                <a16:creationId xmlns:a16="http://schemas.microsoft.com/office/drawing/2014/main" id="{C07244D9-FDF5-E730-4EB8-D462647520FE}"/>
+                <a16:creationId xmlns:a16="http://schemas.microsoft.com/office/drawing/2014/main" id="{98F84B2F-4863-68E6-F585-BF6D7E41A3D6}"/>
               </a:ext>
             </a:extLst>
           </p:cNvPr>
@@ -894,7 +894,7 @@
           <p:cNvPr id="6" name="灯片编号占位符 5">
             <a:extLst>
               <a:ext uri="{FF2B5EF4-FFF2-40B4-BE49-F238E27FC236}">
-                <a16:creationId xmlns:a16="http://schemas.microsoft.com/office/drawing/2014/main" id="{4BB76E86-506C-D4B8-18A4-27EA7F31F6E3}"/>
+                <a16:creationId xmlns:a16="http://schemas.microsoft.com/office/drawing/2014/main" id="{306F0CA7-8C2D-FE2A-A3E4-2E4F4116569E}"/>
               </a:ext>
             </a:extLst>
           </p:cNvPr>
@@ -910,7 +910,7 @@
           <a:bodyPr/>
           <a:lstStyle/>
           <a:p>
-            <a:fld id="{28DABECB-265F-4B49-A5E8-C99842B98D7A}" type="slidenum">
+            <a:fld id="{5D8C250E-24FF-4183-A18B-B557431738A1}" type="slidenum">
               <a:rPr lang="zh-CN" altLang="en-US" smtClean="0"/>
               <a:t>‹#›</a:t>
             </a:fld>
@@ -921,7 +921,7 @@
     </p:spTree>
     <p:extLst>
       <p:ext uri="{BB962C8B-B14F-4D97-AF65-F5344CB8AC3E}">
-        <p14:creationId xmlns:p14="http://schemas.microsoft.com/office/powerpoint/2010/main" val="340331915"/>
+        <p14:creationId xmlns:p14="http://schemas.microsoft.com/office/powerpoint/2010/main" val="1490480607"/>
       </p:ext>
     </p:extLst>
   </p:cSld>
@@ -953,7 +953,7 @@
           <p:cNvPr id="2" name="标题 1">
             <a:extLst>
               <a:ext uri="{FF2B5EF4-FFF2-40B4-BE49-F238E27FC236}">
-                <a16:creationId xmlns:a16="http://schemas.microsoft.com/office/drawing/2014/main" id="{98038681-9543-9B05-E32A-281471EBE02C}"/>
+                <a16:creationId xmlns:a16="http://schemas.microsoft.com/office/drawing/2014/main" id="{51504CEC-5894-51AE-7EED-042315A42B4A}"/>
               </a:ext>
             </a:extLst>
           </p:cNvPr>
@@ -990,7 +990,7 @@
           <p:cNvPr id="3" name="文本占位符 2">
             <a:extLst>
               <a:ext uri="{FF2B5EF4-FFF2-40B4-BE49-F238E27FC236}">
-                <a16:creationId xmlns:a16="http://schemas.microsoft.com/office/drawing/2014/main" id="{6AD118C6-F3FB-20C9-0B05-95447A87D612}"/>
+                <a16:creationId xmlns:a16="http://schemas.microsoft.com/office/drawing/2014/main" id="{C6F66438-C63B-333D-639F-084C4F185948}"/>
               </a:ext>
             </a:extLst>
           </p:cNvPr>
@@ -1115,7 +1115,7 @@
           <p:cNvPr id="4" name="日期占位符 3">
             <a:extLst>
               <a:ext uri="{FF2B5EF4-FFF2-40B4-BE49-F238E27FC236}">
-                <a16:creationId xmlns:a16="http://schemas.microsoft.com/office/drawing/2014/main" id="{7D9FBD10-43A6-F744-BF6C-F05D563D8874}"/>
+                <a16:creationId xmlns:a16="http://schemas.microsoft.com/office/drawing/2014/main" id="{2D7B0DB3-939E-985A-3D56-D439B27A36BC}"/>
               </a:ext>
             </a:extLst>
           </p:cNvPr>
@@ -1131,7 +1131,7 @@
           <a:bodyPr/>
           <a:lstStyle/>
           <a:p>
-            <a:fld id="{F1017648-8606-4F34-A1E3-C60AA3E7C8D2}" type="datetimeFigureOut">
+            <a:fld id="{CFED7253-59A6-4F6A-B281-5AAD05E05FDB}" type="datetimeFigureOut">
               <a:rPr lang="zh-CN" altLang="en-US" smtClean="0"/>
               <a:t>2024/3/10</a:t>
             </a:fld>
@@ -1144,7 +1144,7 @@
           <p:cNvPr id="5" name="页脚占位符 4">
             <a:extLst>
               <a:ext uri="{FF2B5EF4-FFF2-40B4-BE49-F238E27FC236}">
-                <a16:creationId xmlns:a16="http://schemas.microsoft.com/office/drawing/2014/main" id="{CB38BD25-EDAB-EF73-243B-C33EBABEF45C}"/>
+                <a16:creationId xmlns:a16="http://schemas.microsoft.com/office/drawing/2014/main" id="{CCDAFEB5-605B-DE9F-C621-584344AC3F6C}"/>
               </a:ext>
             </a:extLst>
           </p:cNvPr>
@@ -1169,7 +1169,7 @@
           <p:cNvPr id="6" name="灯片编号占位符 5">
             <a:extLst>
               <a:ext uri="{FF2B5EF4-FFF2-40B4-BE49-F238E27FC236}">
-                <a16:creationId xmlns:a16="http://schemas.microsoft.com/office/drawing/2014/main" id="{4CDED431-E71F-A140-5927-A31FF871F328}"/>
+                <a16:creationId xmlns:a16="http://schemas.microsoft.com/office/drawing/2014/main" id="{A9F45B37-0C45-BE2E-BC18-3D864F3E1D85}"/>
               </a:ext>
             </a:extLst>
           </p:cNvPr>
@@ -1185,7 +1185,7 @@
           <a:bodyPr/>
           <a:lstStyle/>
           <a:p>
-            <a:fld id="{28DABECB-265F-4B49-A5E8-C99842B98D7A}" type="slidenum">
+            <a:fld id="{5D8C250E-24FF-4183-A18B-B557431738A1}" type="slidenum">
               <a:rPr lang="zh-CN" altLang="en-US" smtClean="0"/>
               <a:t>‹#›</a:t>
             </a:fld>
@@ -1196,7 +1196,7 @@
     </p:spTree>
     <p:extLst>
       <p:ext uri="{BB962C8B-B14F-4D97-AF65-F5344CB8AC3E}">
-        <p14:creationId xmlns:p14="http://schemas.microsoft.com/office/powerpoint/2010/main" val="1785512753"/>
+        <p14:creationId xmlns:p14="http://schemas.microsoft.com/office/powerpoint/2010/main" val="1871065950"/>
       </p:ext>
     </p:extLst>
   </p:cSld>
@@ -1228,7 +1228,7 @@
           <p:cNvPr id="2" name="标题 1">
             <a:extLst>
               <a:ext uri="{FF2B5EF4-FFF2-40B4-BE49-F238E27FC236}">
-                <a16:creationId xmlns:a16="http://schemas.microsoft.com/office/drawing/2014/main" id="{8D9D5FA2-C1DF-DFBB-25D8-E3857DF7697C}"/>
+                <a16:creationId xmlns:a16="http://schemas.microsoft.com/office/drawing/2014/main" id="{73CD052E-BB95-DDDF-184F-28128EAE78FE}"/>
               </a:ext>
             </a:extLst>
           </p:cNvPr>
@@ -1256,7 +1256,7 @@
           <p:cNvPr id="3" name="内容占位符 2">
             <a:extLst>
               <a:ext uri="{FF2B5EF4-FFF2-40B4-BE49-F238E27FC236}">
-                <a16:creationId xmlns:a16="http://schemas.microsoft.com/office/drawing/2014/main" id="{2345DB69-3405-8D74-C455-18936BF6CFBE}"/>
+                <a16:creationId xmlns:a16="http://schemas.microsoft.com/office/drawing/2014/main" id="{2C7030EA-2CB4-E3D7-C6B9-DFC37576C506}"/>
               </a:ext>
             </a:extLst>
           </p:cNvPr>
@@ -1318,7 +1318,7 @@
           <p:cNvPr id="4" name="内容占位符 3">
             <a:extLst>
               <a:ext uri="{FF2B5EF4-FFF2-40B4-BE49-F238E27FC236}">
-                <a16:creationId xmlns:a16="http://schemas.microsoft.com/office/drawing/2014/main" id="{7C98C840-F40B-AC1F-09F1-9970EA2B1CDB}"/>
+                <a16:creationId xmlns:a16="http://schemas.microsoft.com/office/drawing/2014/main" id="{45947DFA-ECD6-DCF6-24F5-1840F1BE92B6}"/>
               </a:ext>
             </a:extLst>
           </p:cNvPr>
@@ -1380,7 +1380,7 @@
           <p:cNvPr id="5" name="日期占位符 4">
             <a:extLst>
               <a:ext uri="{FF2B5EF4-FFF2-40B4-BE49-F238E27FC236}">
-                <a16:creationId xmlns:a16="http://schemas.microsoft.com/office/drawing/2014/main" id="{892D4DA2-93C9-612B-5515-36E7AC810846}"/>
+                <a16:creationId xmlns:a16="http://schemas.microsoft.com/office/drawing/2014/main" id="{A4B0F3A3-3650-C07E-8D61-BB4BDCC1713F}"/>
               </a:ext>
             </a:extLst>
           </p:cNvPr>
@@ -1396,7 +1396,7 @@
           <a:bodyPr/>
           <a:lstStyle/>
           <a:p>
-            <a:fld id="{F1017648-8606-4F34-A1E3-C60AA3E7C8D2}" type="datetimeFigureOut">
+            <a:fld id="{CFED7253-59A6-4F6A-B281-5AAD05E05FDB}" type="datetimeFigureOut">
               <a:rPr lang="zh-CN" altLang="en-US" smtClean="0"/>
               <a:t>2024/3/10</a:t>
             </a:fld>
@@ -1409,7 +1409,7 @@
           <p:cNvPr id="6" name="页脚占位符 5">
             <a:extLst>
               <a:ext uri="{FF2B5EF4-FFF2-40B4-BE49-F238E27FC236}">
-                <a16:creationId xmlns:a16="http://schemas.microsoft.com/office/drawing/2014/main" id="{2950F2CC-3ABC-4D65-66F1-6289C24EC292}"/>
+                <a16:creationId xmlns:a16="http://schemas.microsoft.com/office/drawing/2014/main" id="{EA89C4F3-A501-ED2F-E36A-3A844C334ACB}"/>
               </a:ext>
             </a:extLst>
           </p:cNvPr>
@@ -1434,7 +1434,7 @@
           <p:cNvPr id="7" name="灯片编号占位符 6">
             <a:extLst>
               <a:ext uri="{FF2B5EF4-FFF2-40B4-BE49-F238E27FC236}">
-                <a16:creationId xmlns:a16="http://schemas.microsoft.com/office/drawing/2014/main" id="{79624EA8-9EDD-C944-406F-D897AC87ED8B}"/>
+                <a16:creationId xmlns:a16="http://schemas.microsoft.com/office/drawing/2014/main" id="{C56432DE-C72C-70A0-3AC2-F59B0B0DC971}"/>
               </a:ext>
             </a:extLst>
           </p:cNvPr>
@@ -1450,7 +1450,7 @@
           <a:bodyPr/>
           <a:lstStyle/>
           <a:p>
-            <a:fld id="{28DABECB-265F-4B49-A5E8-C99842B98D7A}" type="slidenum">
+            <a:fld id="{5D8C250E-24FF-4183-A18B-B557431738A1}" type="slidenum">
               <a:rPr lang="zh-CN" altLang="en-US" smtClean="0"/>
               <a:t>‹#›</a:t>
             </a:fld>
@@ -1461,7 +1461,7 @@
     </p:spTree>
     <p:extLst>
       <p:ext uri="{BB962C8B-B14F-4D97-AF65-F5344CB8AC3E}">
-        <p14:creationId xmlns:p14="http://schemas.microsoft.com/office/powerpoint/2010/main" val="3212310203"/>
+        <p14:creationId xmlns:p14="http://schemas.microsoft.com/office/powerpoint/2010/main" val="16910752"/>
       </p:ext>
     </p:extLst>
   </p:cSld>
@@ -1493,7 +1493,7 @@
           <p:cNvPr id="2" name="标题 1">
             <a:extLst>
               <a:ext uri="{FF2B5EF4-FFF2-40B4-BE49-F238E27FC236}">
-                <a16:creationId xmlns:a16="http://schemas.microsoft.com/office/drawing/2014/main" id="{0D7901EC-4128-3B04-BCAE-E5DE9CFDA8D4}"/>
+                <a16:creationId xmlns:a16="http://schemas.microsoft.com/office/drawing/2014/main" id="{C39BCC8A-17BC-78D3-A71B-D4E696595E47}"/>
               </a:ext>
             </a:extLst>
           </p:cNvPr>
@@ -1526,7 +1526,7 @@
           <p:cNvPr id="3" name="文本占位符 2">
             <a:extLst>
               <a:ext uri="{FF2B5EF4-FFF2-40B4-BE49-F238E27FC236}">
-                <a16:creationId xmlns:a16="http://schemas.microsoft.com/office/drawing/2014/main" id="{6F76020F-AD01-9823-2910-467A6B86A7E2}"/>
+                <a16:creationId xmlns:a16="http://schemas.microsoft.com/office/drawing/2014/main" id="{1888A1A6-7A91-82CA-055F-7A55AE59853B}"/>
               </a:ext>
             </a:extLst>
           </p:cNvPr>
@@ -1597,7 +1597,7 @@
           <p:cNvPr id="4" name="内容占位符 3">
             <a:extLst>
               <a:ext uri="{FF2B5EF4-FFF2-40B4-BE49-F238E27FC236}">
-                <a16:creationId xmlns:a16="http://schemas.microsoft.com/office/drawing/2014/main" id="{68F37552-33AE-C3A4-0E9E-1B2319185BAE}"/>
+                <a16:creationId xmlns:a16="http://schemas.microsoft.com/office/drawing/2014/main" id="{DA68DAF8-107A-D694-DD2F-0905DF4339EE}"/>
               </a:ext>
             </a:extLst>
           </p:cNvPr>
@@ -1659,7 +1659,7 @@
           <p:cNvPr id="5" name="文本占位符 4">
             <a:extLst>
               <a:ext uri="{FF2B5EF4-FFF2-40B4-BE49-F238E27FC236}">
-                <a16:creationId xmlns:a16="http://schemas.microsoft.com/office/drawing/2014/main" id="{F1F7FE0B-380F-6E6A-E399-7A0A528EFFE9}"/>
+                <a16:creationId xmlns:a16="http://schemas.microsoft.com/office/drawing/2014/main" id="{9F31C637-A8F0-9FFB-7146-5FA0EB20CA58}"/>
               </a:ext>
             </a:extLst>
           </p:cNvPr>
@@ -1730,7 +1730,7 @@
           <p:cNvPr id="6" name="内容占位符 5">
             <a:extLst>
               <a:ext uri="{FF2B5EF4-FFF2-40B4-BE49-F238E27FC236}">
-                <a16:creationId xmlns:a16="http://schemas.microsoft.com/office/drawing/2014/main" id="{E812DD41-3846-D78B-1D02-98BC2C351E6C}"/>
+                <a16:creationId xmlns:a16="http://schemas.microsoft.com/office/drawing/2014/main" id="{A74D3832-BAA4-F12A-3D9B-2139B0F945C6}"/>
               </a:ext>
             </a:extLst>
           </p:cNvPr>
@@ -1792,7 +1792,7 @@
           <p:cNvPr id="7" name="日期占位符 6">
             <a:extLst>
               <a:ext uri="{FF2B5EF4-FFF2-40B4-BE49-F238E27FC236}">
-                <a16:creationId xmlns:a16="http://schemas.microsoft.com/office/drawing/2014/main" id="{F9F879C1-4E3C-F097-F495-3BFAA0D8BBD2}"/>
+                <a16:creationId xmlns:a16="http://schemas.microsoft.com/office/drawing/2014/main" id="{0556ADDA-20F0-6815-FA6F-0EA50D9926D7}"/>
               </a:ext>
             </a:extLst>
           </p:cNvPr>
@@ -1808,7 +1808,7 @@
           <a:bodyPr/>
           <a:lstStyle/>
           <a:p>
-            <a:fld id="{F1017648-8606-4F34-A1E3-C60AA3E7C8D2}" type="datetimeFigureOut">
+            <a:fld id="{CFED7253-59A6-4F6A-B281-5AAD05E05FDB}" type="datetimeFigureOut">
               <a:rPr lang="zh-CN" altLang="en-US" smtClean="0"/>
               <a:t>2024/3/10</a:t>
             </a:fld>
@@ -1821,7 +1821,7 @@
           <p:cNvPr id="8" name="页脚占位符 7">
             <a:extLst>
               <a:ext uri="{FF2B5EF4-FFF2-40B4-BE49-F238E27FC236}">
-                <a16:creationId xmlns:a16="http://schemas.microsoft.com/office/drawing/2014/main" id="{172EDEFB-6197-0D1D-66DD-0670AE8FCDF2}"/>
+                <a16:creationId xmlns:a16="http://schemas.microsoft.com/office/drawing/2014/main" id="{A8589E30-6A12-5B90-FF2F-786B5CB0822F}"/>
               </a:ext>
             </a:extLst>
           </p:cNvPr>
@@ -1846,7 +1846,7 @@
           <p:cNvPr id="9" name="灯片编号占位符 8">
             <a:extLst>
               <a:ext uri="{FF2B5EF4-FFF2-40B4-BE49-F238E27FC236}">
-                <a16:creationId xmlns:a16="http://schemas.microsoft.com/office/drawing/2014/main" id="{3E70C21F-76AC-C6A6-518A-DC0EF0ABCBFE}"/>
+                <a16:creationId xmlns:a16="http://schemas.microsoft.com/office/drawing/2014/main" id="{13F465FA-D967-B32C-45C0-CF7DB0383A1D}"/>
               </a:ext>
             </a:extLst>
           </p:cNvPr>
@@ -1862,7 +1862,7 @@
           <a:bodyPr/>
           <a:lstStyle/>
           <a:p>
-            <a:fld id="{28DABECB-265F-4B49-A5E8-C99842B98D7A}" type="slidenum">
+            <a:fld id="{5D8C250E-24FF-4183-A18B-B557431738A1}" type="slidenum">
               <a:rPr lang="zh-CN" altLang="en-US" smtClean="0"/>
               <a:t>‹#›</a:t>
             </a:fld>
@@ -1873,7 +1873,7 @@
     </p:spTree>
     <p:extLst>
       <p:ext uri="{BB962C8B-B14F-4D97-AF65-F5344CB8AC3E}">
-        <p14:creationId xmlns:p14="http://schemas.microsoft.com/office/powerpoint/2010/main" val="2795044523"/>
+        <p14:creationId xmlns:p14="http://schemas.microsoft.com/office/powerpoint/2010/main" val="1067473444"/>
       </p:ext>
     </p:extLst>
   </p:cSld>
@@ -1905,7 +1905,7 @@
           <p:cNvPr id="2" name="标题 1">
             <a:extLst>
               <a:ext uri="{FF2B5EF4-FFF2-40B4-BE49-F238E27FC236}">
-                <a16:creationId xmlns:a16="http://schemas.microsoft.com/office/drawing/2014/main" id="{CB55C5C2-42E8-AC63-CF21-BBC1303C7EB0}"/>
+                <a16:creationId xmlns:a16="http://schemas.microsoft.com/office/drawing/2014/main" id="{BEA2EF49-085F-CFC9-0AC2-8BC2D13AE58F}"/>
               </a:ext>
             </a:extLst>
           </p:cNvPr>
@@ -1933,7 +1933,7 @@
           <p:cNvPr id="3" name="日期占位符 2">
             <a:extLst>
               <a:ext uri="{FF2B5EF4-FFF2-40B4-BE49-F238E27FC236}">
-                <a16:creationId xmlns:a16="http://schemas.microsoft.com/office/drawing/2014/main" id="{03AEF735-5B23-2251-7E25-16A829474C39}"/>
+                <a16:creationId xmlns:a16="http://schemas.microsoft.com/office/drawing/2014/main" id="{AE7CA266-27DB-6950-C32D-FFBB59225F9E}"/>
               </a:ext>
             </a:extLst>
           </p:cNvPr>
@@ -1949,7 +1949,7 @@
           <a:bodyPr/>
           <a:lstStyle/>
           <a:p>
-            <a:fld id="{F1017648-8606-4F34-A1E3-C60AA3E7C8D2}" type="datetimeFigureOut">
+            <a:fld id="{CFED7253-59A6-4F6A-B281-5AAD05E05FDB}" type="datetimeFigureOut">
               <a:rPr lang="zh-CN" altLang="en-US" smtClean="0"/>
               <a:t>2024/3/10</a:t>
             </a:fld>
@@ -1962,7 +1962,7 @@
           <p:cNvPr id="4" name="页脚占位符 3">
             <a:extLst>
               <a:ext uri="{FF2B5EF4-FFF2-40B4-BE49-F238E27FC236}">
-                <a16:creationId xmlns:a16="http://schemas.microsoft.com/office/drawing/2014/main" id="{FA9FBBB3-ED9C-AD92-D6BC-BA313D9B3663}"/>
+                <a16:creationId xmlns:a16="http://schemas.microsoft.com/office/drawing/2014/main" id="{E96D505B-50BF-FFC7-9FEE-49615B69BBD8}"/>
               </a:ext>
             </a:extLst>
           </p:cNvPr>
@@ -1987,7 +1987,7 @@
           <p:cNvPr id="5" name="灯片编号占位符 4">
             <a:extLst>
               <a:ext uri="{FF2B5EF4-FFF2-40B4-BE49-F238E27FC236}">
-                <a16:creationId xmlns:a16="http://schemas.microsoft.com/office/drawing/2014/main" id="{804D1DC4-917C-381B-6F1C-565E20BB6984}"/>
+                <a16:creationId xmlns:a16="http://schemas.microsoft.com/office/drawing/2014/main" id="{0969CB0A-F638-CA73-04A8-F60B97B828CC}"/>
               </a:ext>
             </a:extLst>
           </p:cNvPr>
@@ -2003,7 +2003,7 @@
           <a:bodyPr/>
           <a:lstStyle/>
           <a:p>
-            <a:fld id="{28DABECB-265F-4B49-A5E8-C99842B98D7A}" type="slidenum">
+            <a:fld id="{5D8C250E-24FF-4183-A18B-B557431738A1}" type="slidenum">
               <a:rPr lang="zh-CN" altLang="en-US" smtClean="0"/>
               <a:t>‹#›</a:t>
             </a:fld>
@@ -2014,7 +2014,7 @@
     </p:spTree>
     <p:extLst>
       <p:ext uri="{BB962C8B-B14F-4D97-AF65-F5344CB8AC3E}">
-        <p14:creationId xmlns:p14="http://schemas.microsoft.com/office/powerpoint/2010/main" val="1827330905"/>
+        <p14:creationId xmlns:p14="http://schemas.microsoft.com/office/powerpoint/2010/main" val="1415636964"/>
       </p:ext>
     </p:extLst>
   </p:cSld>
@@ -2046,7 +2046,7 @@
           <p:cNvPr id="2" name="日期占位符 1">
             <a:extLst>
               <a:ext uri="{FF2B5EF4-FFF2-40B4-BE49-F238E27FC236}">
-                <a16:creationId xmlns:a16="http://schemas.microsoft.com/office/drawing/2014/main" id="{6C591F20-760D-0DD9-BB06-222ECCF71D7F}"/>
+                <a16:creationId xmlns:a16="http://schemas.microsoft.com/office/drawing/2014/main" id="{551B487D-7359-E8B7-F666-C51F6A94E4C9}"/>
               </a:ext>
             </a:extLst>
           </p:cNvPr>
@@ -2062,7 +2062,7 @@
           <a:bodyPr/>
           <a:lstStyle/>
           <a:p>
-            <a:fld id="{F1017648-8606-4F34-A1E3-C60AA3E7C8D2}" type="datetimeFigureOut">
+            <a:fld id="{CFED7253-59A6-4F6A-B281-5AAD05E05FDB}" type="datetimeFigureOut">
               <a:rPr lang="zh-CN" altLang="en-US" smtClean="0"/>
               <a:t>2024/3/10</a:t>
             </a:fld>
@@ -2075,7 +2075,7 @@
           <p:cNvPr id="3" name="页脚占位符 2">
             <a:extLst>
               <a:ext uri="{FF2B5EF4-FFF2-40B4-BE49-F238E27FC236}">
-                <a16:creationId xmlns:a16="http://schemas.microsoft.com/office/drawing/2014/main" id="{64B4ED01-DEA6-DC43-B371-30CE24F0B7EB}"/>
+                <a16:creationId xmlns:a16="http://schemas.microsoft.com/office/drawing/2014/main" id="{7E524029-A7A1-0CE9-B92F-E09DFE413E4B}"/>
               </a:ext>
             </a:extLst>
           </p:cNvPr>
@@ -2100,7 +2100,7 @@
           <p:cNvPr id="4" name="灯片编号占位符 3">
             <a:extLst>
               <a:ext uri="{FF2B5EF4-FFF2-40B4-BE49-F238E27FC236}">
-                <a16:creationId xmlns:a16="http://schemas.microsoft.com/office/drawing/2014/main" id="{FD3FEB60-A43D-BEC1-AE6D-2099F2D5B733}"/>
+                <a16:creationId xmlns:a16="http://schemas.microsoft.com/office/drawing/2014/main" id="{B392A74C-965C-041A-1778-9E5D62A34873}"/>
               </a:ext>
             </a:extLst>
           </p:cNvPr>
@@ -2116,7 +2116,7 @@
           <a:bodyPr/>
           <a:lstStyle/>
           <a:p>
-            <a:fld id="{28DABECB-265F-4B49-A5E8-C99842B98D7A}" type="slidenum">
+            <a:fld id="{5D8C250E-24FF-4183-A18B-B557431738A1}" type="slidenum">
               <a:rPr lang="zh-CN" altLang="en-US" smtClean="0"/>
               <a:t>‹#›</a:t>
             </a:fld>
@@ -2127,7 +2127,7 @@
     </p:spTree>
     <p:extLst>
       <p:ext uri="{BB962C8B-B14F-4D97-AF65-F5344CB8AC3E}">
-        <p14:creationId xmlns:p14="http://schemas.microsoft.com/office/powerpoint/2010/main" val="635171691"/>
+        <p14:creationId xmlns:p14="http://schemas.microsoft.com/office/powerpoint/2010/main" val="762334451"/>
       </p:ext>
     </p:extLst>
   </p:cSld>
@@ -2159,7 +2159,7 @@
           <p:cNvPr id="2" name="标题 1">
             <a:extLst>
               <a:ext uri="{FF2B5EF4-FFF2-40B4-BE49-F238E27FC236}">
-                <a16:creationId xmlns:a16="http://schemas.microsoft.com/office/drawing/2014/main" id="{1D0579DC-60A0-5B55-A44E-A215A3E31B9D}"/>
+                <a16:creationId xmlns:a16="http://schemas.microsoft.com/office/drawing/2014/main" id="{ADB8117D-10BF-808E-E0E2-F9EBF8170C4E}"/>
               </a:ext>
             </a:extLst>
           </p:cNvPr>
@@ -2196,7 +2196,7 @@
           <p:cNvPr id="3" name="内容占位符 2">
             <a:extLst>
               <a:ext uri="{FF2B5EF4-FFF2-40B4-BE49-F238E27FC236}">
-                <a16:creationId xmlns:a16="http://schemas.microsoft.com/office/drawing/2014/main" id="{EE0B8969-EFC9-4591-E82B-B4234F5FB366}"/>
+                <a16:creationId xmlns:a16="http://schemas.microsoft.com/office/drawing/2014/main" id="{135E8130-47EC-05D5-8399-6F3C117E4628}"/>
               </a:ext>
             </a:extLst>
           </p:cNvPr>
@@ -2286,7 +2286,7 @@
           <p:cNvPr id="4" name="文本占位符 3">
             <a:extLst>
               <a:ext uri="{FF2B5EF4-FFF2-40B4-BE49-F238E27FC236}">
-                <a16:creationId xmlns:a16="http://schemas.microsoft.com/office/drawing/2014/main" id="{250C75EF-A711-FEB6-F04B-87E46A0D791E}"/>
+                <a16:creationId xmlns:a16="http://schemas.microsoft.com/office/drawing/2014/main" id="{5113F9E1-AFBC-D589-E75C-DC4E43C76514}"/>
               </a:ext>
             </a:extLst>
           </p:cNvPr>
@@ -2357,7 +2357,7 @@
           <p:cNvPr id="5" name="日期占位符 4">
             <a:extLst>
               <a:ext uri="{FF2B5EF4-FFF2-40B4-BE49-F238E27FC236}">
-                <a16:creationId xmlns:a16="http://schemas.microsoft.com/office/drawing/2014/main" id="{697C74E2-45F5-2C5F-F9E6-DF614CC2A121}"/>
+                <a16:creationId xmlns:a16="http://schemas.microsoft.com/office/drawing/2014/main" id="{7CC97006-C745-0798-C35D-F014AC42F808}"/>
               </a:ext>
             </a:extLst>
           </p:cNvPr>
@@ -2373,7 +2373,7 @@
           <a:bodyPr/>
           <a:lstStyle/>
           <a:p>
-            <a:fld id="{F1017648-8606-4F34-A1E3-C60AA3E7C8D2}" type="datetimeFigureOut">
+            <a:fld id="{CFED7253-59A6-4F6A-B281-5AAD05E05FDB}" type="datetimeFigureOut">
               <a:rPr lang="zh-CN" altLang="en-US" smtClean="0"/>
               <a:t>2024/3/10</a:t>
             </a:fld>
@@ -2386,7 +2386,7 @@
           <p:cNvPr id="6" name="页脚占位符 5">
             <a:extLst>
               <a:ext uri="{FF2B5EF4-FFF2-40B4-BE49-F238E27FC236}">
-                <a16:creationId xmlns:a16="http://schemas.microsoft.com/office/drawing/2014/main" id="{255B2ACC-9232-74B0-846F-AD4A1DEABF6F}"/>
+                <a16:creationId xmlns:a16="http://schemas.microsoft.com/office/drawing/2014/main" id="{814A1C6D-3E80-3B33-3E31-9CCE2FEEB820}"/>
               </a:ext>
             </a:extLst>
           </p:cNvPr>
@@ -2411,7 +2411,7 @@
           <p:cNvPr id="7" name="灯片编号占位符 6">
             <a:extLst>
               <a:ext uri="{FF2B5EF4-FFF2-40B4-BE49-F238E27FC236}">
-                <a16:creationId xmlns:a16="http://schemas.microsoft.com/office/drawing/2014/main" id="{97607A78-68D8-A958-8D8A-84012F49F4AB}"/>
+                <a16:creationId xmlns:a16="http://schemas.microsoft.com/office/drawing/2014/main" id="{DF14411F-E36A-1EC4-E19F-ACC1E3B225D4}"/>
               </a:ext>
             </a:extLst>
           </p:cNvPr>
@@ -2427,7 +2427,7 @@
           <a:bodyPr/>
           <a:lstStyle/>
           <a:p>
-            <a:fld id="{28DABECB-265F-4B49-A5E8-C99842B98D7A}" type="slidenum">
+            <a:fld id="{5D8C250E-24FF-4183-A18B-B557431738A1}" type="slidenum">
               <a:rPr lang="zh-CN" altLang="en-US" smtClean="0"/>
               <a:t>‹#›</a:t>
             </a:fld>
@@ -2438,7 +2438,7 @@
     </p:spTree>
     <p:extLst>
       <p:ext uri="{BB962C8B-B14F-4D97-AF65-F5344CB8AC3E}">
-        <p14:creationId xmlns:p14="http://schemas.microsoft.com/office/powerpoint/2010/main" val="453003112"/>
+        <p14:creationId xmlns:p14="http://schemas.microsoft.com/office/powerpoint/2010/main" val="2498174209"/>
       </p:ext>
     </p:extLst>
   </p:cSld>
@@ -2470,7 +2470,7 @@
           <p:cNvPr id="2" name="标题 1">
             <a:extLst>
               <a:ext uri="{FF2B5EF4-FFF2-40B4-BE49-F238E27FC236}">
-                <a16:creationId xmlns:a16="http://schemas.microsoft.com/office/drawing/2014/main" id="{385FDF8A-5E22-6583-9F5C-89746098C499}"/>
+                <a16:creationId xmlns:a16="http://schemas.microsoft.com/office/drawing/2014/main" id="{1A68F457-FBC0-A28D-D513-F678003AAA97}"/>
               </a:ext>
             </a:extLst>
           </p:cNvPr>
@@ -2507,7 +2507,7 @@
           <p:cNvPr id="3" name="图片占位符 2">
             <a:extLst>
               <a:ext uri="{FF2B5EF4-FFF2-40B4-BE49-F238E27FC236}">
-                <a16:creationId xmlns:a16="http://schemas.microsoft.com/office/drawing/2014/main" id="{D275D7DE-7488-4DFC-1E23-8B492C928B54}"/>
+                <a16:creationId xmlns:a16="http://schemas.microsoft.com/office/drawing/2014/main" id="{F9A0B53C-943D-BC0B-A9E1-2C469D597F74}"/>
               </a:ext>
             </a:extLst>
           </p:cNvPr>
@@ -2574,7 +2574,7 @@
           <p:cNvPr id="4" name="文本占位符 3">
             <a:extLst>
               <a:ext uri="{FF2B5EF4-FFF2-40B4-BE49-F238E27FC236}">
-                <a16:creationId xmlns:a16="http://schemas.microsoft.com/office/drawing/2014/main" id="{D039E444-FBF7-CE11-1A1E-1A4544D4A6DE}"/>
+                <a16:creationId xmlns:a16="http://schemas.microsoft.com/office/drawing/2014/main" id="{50493601-7918-E397-50B7-8EE29DCF0BB1}"/>
               </a:ext>
             </a:extLst>
           </p:cNvPr>
@@ -2645,7 +2645,7 @@
           <p:cNvPr id="5" name="日期占位符 4">
             <a:extLst>
               <a:ext uri="{FF2B5EF4-FFF2-40B4-BE49-F238E27FC236}">
-                <a16:creationId xmlns:a16="http://schemas.microsoft.com/office/drawing/2014/main" id="{D2EEDC77-B583-4EF0-6BC2-0241C6EDDC92}"/>
+                <a16:creationId xmlns:a16="http://schemas.microsoft.com/office/drawing/2014/main" id="{6EB8B464-047D-AD36-7502-38AADC5D5EC8}"/>
               </a:ext>
             </a:extLst>
           </p:cNvPr>
@@ -2661,7 +2661,7 @@
           <a:bodyPr/>
           <a:lstStyle/>
           <a:p>
-            <a:fld id="{F1017648-8606-4F34-A1E3-C60AA3E7C8D2}" type="datetimeFigureOut">
+            <a:fld id="{CFED7253-59A6-4F6A-B281-5AAD05E05FDB}" type="datetimeFigureOut">
               <a:rPr lang="zh-CN" altLang="en-US" smtClean="0"/>
               <a:t>2024/3/10</a:t>
             </a:fld>
@@ -2674,7 +2674,7 @@
           <p:cNvPr id="6" name="页脚占位符 5">
             <a:extLst>
               <a:ext uri="{FF2B5EF4-FFF2-40B4-BE49-F238E27FC236}">
-                <a16:creationId xmlns:a16="http://schemas.microsoft.com/office/drawing/2014/main" id="{718967B9-46BC-77C7-B0D9-C3F9F6DDEDBB}"/>
+                <a16:creationId xmlns:a16="http://schemas.microsoft.com/office/drawing/2014/main" id="{FED4948A-A440-142D-D037-82D85A7BBD1E}"/>
               </a:ext>
             </a:extLst>
           </p:cNvPr>
@@ -2699,7 +2699,7 @@
           <p:cNvPr id="7" name="灯片编号占位符 6">
             <a:extLst>
               <a:ext uri="{FF2B5EF4-FFF2-40B4-BE49-F238E27FC236}">
-                <a16:creationId xmlns:a16="http://schemas.microsoft.com/office/drawing/2014/main" id="{409F7655-6780-F5B9-2843-816C9170EE08}"/>
+                <a16:creationId xmlns:a16="http://schemas.microsoft.com/office/drawing/2014/main" id="{5352EF4D-B421-91F6-9859-865C626112D9}"/>
               </a:ext>
             </a:extLst>
           </p:cNvPr>
@@ -2715,7 +2715,7 @@
           <a:bodyPr/>
           <a:lstStyle/>
           <a:p>
-            <a:fld id="{28DABECB-265F-4B49-A5E8-C99842B98D7A}" type="slidenum">
+            <a:fld id="{5D8C250E-24FF-4183-A18B-B557431738A1}" type="slidenum">
               <a:rPr lang="zh-CN" altLang="en-US" smtClean="0"/>
               <a:t>‹#›</a:t>
             </a:fld>
@@ -2726,7 +2726,7 @@
     </p:spTree>
     <p:extLst>
       <p:ext uri="{BB962C8B-B14F-4D97-AF65-F5344CB8AC3E}">
-        <p14:creationId xmlns:p14="http://schemas.microsoft.com/office/powerpoint/2010/main" val="479304135"/>
+        <p14:creationId xmlns:p14="http://schemas.microsoft.com/office/powerpoint/2010/main" val="3036863006"/>
       </p:ext>
     </p:extLst>
   </p:cSld>
@@ -2763,7 +2763,7 @@
           <p:cNvPr id="2" name="标题占位符 1">
             <a:extLst>
               <a:ext uri="{FF2B5EF4-FFF2-40B4-BE49-F238E27FC236}">
-                <a16:creationId xmlns:a16="http://schemas.microsoft.com/office/drawing/2014/main" id="{02480E78-5187-71E0-CD67-EE591616FF4F}"/>
+                <a16:creationId xmlns:a16="http://schemas.microsoft.com/office/drawing/2014/main" id="{E3B82F7B-096D-BE4F-EEFB-CC5CC6077D63}"/>
               </a:ext>
             </a:extLst>
           </p:cNvPr>
@@ -2801,7 +2801,7 @@
           <p:cNvPr id="3" name="文本占位符 2">
             <a:extLst>
               <a:ext uri="{FF2B5EF4-FFF2-40B4-BE49-F238E27FC236}">
-                <a16:creationId xmlns:a16="http://schemas.microsoft.com/office/drawing/2014/main" id="{8C3CF1A4-AC75-6236-2370-E5B3D8979DE0}"/>
+                <a16:creationId xmlns:a16="http://schemas.microsoft.com/office/drawing/2014/main" id="{B9294309-A46F-D57F-CF94-FB8500428251}"/>
               </a:ext>
             </a:extLst>
           </p:cNvPr>
@@ -2868,7 +2868,7 @@
           <p:cNvPr id="4" name="日期占位符 3">
             <a:extLst>
               <a:ext uri="{FF2B5EF4-FFF2-40B4-BE49-F238E27FC236}">
-                <a16:creationId xmlns:a16="http://schemas.microsoft.com/office/drawing/2014/main" id="{DA8F3D35-A6F3-19EE-73C9-987CDBF2EBEE}"/>
+                <a16:creationId xmlns:a16="http://schemas.microsoft.com/office/drawing/2014/main" id="{A0E7CD75-53BF-F8F3-D419-171571240712}"/>
               </a:ext>
             </a:extLst>
           </p:cNvPr>
@@ -2902,7 +2902,7 @@
             </a:lvl1pPr>
           </a:lstStyle>
           <a:p>
-            <a:fld id="{F1017648-8606-4F34-A1E3-C60AA3E7C8D2}" type="datetimeFigureOut">
+            <a:fld id="{CFED7253-59A6-4F6A-B281-5AAD05E05FDB}" type="datetimeFigureOut">
               <a:rPr lang="zh-CN" altLang="en-US" smtClean="0"/>
               <a:t>2024/3/10</a:t>
             </a:fld>
@@ -2915,7 +2915,7 @@
           <p:cNvPr id="5" name="页脚占位符 4">
             <a:extLst>
               <a:ext uri="{FF2B5EF4-FFF2-40B4-BE49-F238E27FC236}">
-                <a16:creationId xmlns:a16="http://schemas.microsoft.com/office/drawing/2014/main" id="{174064CB-17FB-9851-0C09-18B2E420964E}"/>
+                <a16:creationId xmlns:a16="http://schemas.microsoft.com/office/drawing/2014/main" id="{3141750E-02CA-0953-8D96-F87F944D6CCF}"/>
               </a:ext>
             </a:extLst>
           </p:cNvPr>
@@ -2958,7 +2958,7 @@
           <p:cNvPr id="6" name="灯片编号占位符 5">
             <a:extLst>
               <a:ext uri="{FF2B5EF4-FFF2-40B4-BE49-F238E27FC236}">
-                <a16:creationId xmlns:a16="http://schemas.microsoft.com/office/drawing/2014/main" id="{954A3271-3861-6E9F-5FD8-9628BAE7275B}"/>
+                <a16:creationId xmlns:a16="http://schemas.microsoft.com/office/drawing/2014/main" id="{6D41320F-6C79-FDB1-1D94-56276057CBB6}"/>
               </a:ext>
             </a:extLst>
           </p:cNvPr>
@@ -2992,7 +2992,7 @@
             </a:lvl1pPr>
           </a:lstStyle>
           <a:p>
-            <a:fld id="{28DABECB-265F-4B49-A5E8-C99842B98D7A}" type="slidenum">
+            <a:fld id="{5D8C250E-24FF-4183-A18B-B557431738A1}" type="slidenum">
               <a:rPr lang="zh-CN" altLang="en-US" smtClean="0"/>
               <a:t>‹#›</a:t>
             </a:fld>
@@ -3003,7 +3003,7 @@
     </p:spTree>
     <p:extLst>
       <p:ext uri="{BB962C8B-B14F-4D97-AF65-F5344CB8AC3E}">
-        <p14:creationId xmlns:p14="http://schemas.microsoft.com/office/powerpoint/2010/main" val="2943966229"/>
+        <p14:creationId xmlns:p14="http://schemas.microsoft.com/office/powerpoint/2010/main" val="3421109714"/>
       </p:ext>
     </p:extLst>
   </p:cSld>
@@ -3323,7 +3323,7 @@
       </p:grpSpPr>
       <p:pic>
         <p:nvPicPr>
-          <p:cNvPr id="1372162" name="Picture 2" descr="1339"/>
+          <p:cNvPr id="1373186" name="Picture 2" descr="1340"/>
           <p:cNvPicPr>
             <a:picLocks noChangeAspect="1" noChangeArrowheads="1"/>
           </p:cNvPicPr>
@@ -3345,7 +3345,7 @@
         <p:spPr bwMode="auto">
           <a:xfrm>
             <a:off x="1524000" y="0"/>
-            <a:ext cx="9144000" cy="6858000"/>
+            <a:ext cx="9144000" cy="6165850"/>
           </a:xfrm>
           <a:prstGeom prst="rect">
             <a:avLst/>
